--- a/statistics-open-stax/ppt/1-3-frequency-tables.pptx
+++ b/statistics-open-stax/ppt/1-3-frequency-tables.pptx
@@ -111,6 +111,11 @@
       </a:defRPr>
     </a:lvl9pPr>
   </p:defaultTextStyle>
+  <p:extLst>
+    <p:ext uri="{EFAFB233-063F-42B5-8137-9DF3F51BA10A}">
+      <p15:sldGuideLst xmlns:p15="http://schemas.microsoft.com/office/powerpoint/2012/main"/>
+    </p:ext>
+  </p:extLst>
 </p:presentation>
 </file>
 
@@ -3481,9 +3486,6 @@
               <a:t>60° is not twice as hot as 30°</a:t>
             </a:r>
           </a:p>
-          <a:p>
-            <a:endParaRPr lang="en-US" dirty="0"/>
-          </a:p>
         </p:txBody>
       </p:sp>
       <p:sp>
@@ -3985,16 +3987,18 @@
             </a:r>
             <a:r>
               <a:rPr lang="en-US" dirty="0"/>
-              <a:t>is the accumulation of previous ones</a:t>
-            </a:r>
-          </a:p>
-          <a:p>
+              <a:t>is the accumulation of </a:t>
+            </a:r>
+            <a:r>
+              <a:rPr lang="en-US"/>
+              <a:t>previous ones</a:t>
+            </a:r>
             <a:endParaRPr lang="en-US" dirty="0"/>
           </a:p>
         </p:txBody>
       </p:sp>
-      <mc:AlternateContent xmlns:mc="http://schemas.openxmlformats.org/markup-compatibility/2006">
-        <mc:Choice xmlns:a14="http://schemas.microsoft.com/office/drawing/2010/main" Requires="a14">
+      <mc:AlternateContent xmlns:mc="http://schemas.openxmlformats.org/markup-compatibility/2006" xmlns:a14="http://schemas.microsoft.com/office/drawing/2010/main">
+        <mc:Choice Requires="a14">
           <p:graphicFrame>
             <p:nvGraphicFramePr>
               <p:cNvPr id="7" name="Content Placeholder 6">
@@ -4738,7 +4742,7 @@
             </a:graphic>
           </p:graphicFrame>
         </mc:Choice>
-        <mc:Fallback>
+        <mc:Fallback xmlns="">
           <p:graphicFrame>
             <p:nvGraphicFramePr>
               <p:cNvPr id="7" name="Content Placeholder 6">
